--- a/johsys24y/sivut/Web-käyttöliittymä.pptx
+++ b/johsys24y/sivut/Web-käyttöliittymä.pptx
@@ -203,7 +203,7 @@
           <a:p>
             <a:fld id="{CC63BC64-C32E-4FD1-B213-ACCECEC3936F}" type="datetimeFigureOut">
               <a:rPr lang="fi-FI" smtClean="0"/>
-              <a:t>19.2.2024</a:t>
+              <a:t>20.11.2024</a:t>
             </a:fld>
             <a:endParaRPr lang="fi-FI"/>
           </a:p>
@@ -21819,13 +21819,13 @@
             <a:spLocks noGrp="1"/>
           </p:cNvSpPr>
           <p:nvPr>
-            <p:ph idx="1"/>
+            <p:ph sz="half" idx="1"/>
           </p:nvPr>
         </p:nvSpPr>
         <p:spPr/>
         <p:txBody>
           <a:bodyPr>
-            <a:normAutofit fontScale="70000" lnSpcReduction="20000"/>
+            <a:normAutofit lnSpcReduction="10000"/>
           </a:bodyPr>
           <a:lstStyle/>
           <a:p>
@@ -21916,7 +21916,14 @@
               </a:rPr>
               <a:t> How to Properly Layout A Website (For Beginners) </a:t>
             </a:r>
-            <a:endParaRPr lang="fi-FI" dirty="0"/>
+            <a:endParaRPr lang="en-US" dirty="0"/>
+          </a:p>
+          <a:p>
+            <a:pPr lvl="2"/>
+            <a:r>
+              <a:rPr lang="fi-FI" dirty="0"/>
+              <a:t>https://www.youtube.com/watch?v=3C_22eBWpjg</a:t>
+            </a:r>
           </a:p>
           <a:p>
             <a:pPr marL="128016" lvl="1" indent="0">
@@ -21973,6 +21980,40 @@
             </a:r>
             <a:endParaRPr lang="fi-FI" dirty="0"/>
           </a:p>
+          <a:p>
+            <a:endParaRPr lang="fi-FI" dirty="0"/>
+          </a:p>
+          <a:p>
+            <a:pPr lvl="1"/>
+            <a:endParaRPr lang="fi-FI" dirty="0"/>
+          </a:p>
+          <a:p>
+            <a:endParaRPr lang="fi-FI" dirty="0"/>
+          </a:p>
+        </p:txBody>
+      </p:sp>
+      <p:sp>
+        <p:nvSpPr>
+          <p:cNvPr id="9" name="Sisällön paikkamerkki 8">
+            <a:extLst>
+              <a:ext uri="{FF2B5EF4-FFF2-40B4-BE49-F238E27FC236}">
+                <a16:creationId xmlns:a16="http://schemas.microsoft.com/office/drawing/2014/main" id="{F8C9C470-90D8-4422-A477-731445B69952}"/>
+              </a:ext>
+            </a:extLst>
+          </p:cNvPr>
+          <p:cNvSpPr>
+            <a:spLocks noGrp="1"/>
+          </p:cNvSpPr>
+          <p:nvPr>
+            <p:ph sz="half" idx="2"/>
+          </p:nvPr>
+        </p:nvSpPr>
+        <p:spPr/>
+        <p:txBody>
+          <a:bodyPr>
+            <a:normAutofit lnSpcReduction="10000"/>
+          </a:bodyPr>
+          <a:lstStyle/>
           <a:p>
             <a:r>
               <a:rPr lang="fi-FI" dirty="0"/>
@@ -22041,13 +22082,6 @@
               <a:rPr lang="fi-FI" dirty="0"/>
               <a:t>Tarjoa käyttäjälle helppo ja looginen paluu etusivulle. </a:t>
             </a:r>
-          </a:p>
-          <a:p>
-            <a:endParaRPr lang="fi-FI" dirty="0"/>
-          </a:p>
-          <a:p>
-            <a:pPr lvl="1"/>
-            <a:endParaRPr lang="fi-FI" dirty="0"/>
           </a:p>
           <a:p>
             <a:endParaRPr lang="fi-FI" dirty="0"/>
@@ -22210,7 +22244,7 @@
             <a:spLocks noGrp="1"/>
           </p:cNvSpPr>
           <p:nvPr>
-            <p:ph idx="1"/>
+            <p:ph sz="half" idx="1"/>
           </p:nvPr>
         </p:nvSpPr>
         <p:spPr/>
@@ -22286,6 +22320,28 @@
             </a:r>
             <a:endParaRPr lang="fi-FI" dirty="0"/>
           </a:p>
+        </p:txBody>
+      </p:sp>
+      <p:sp>
+        <p:nvSpPr>
+          <p:cNvPr id="7" name="Sisällön paikkamerkki 6">
+            <a:extLst>
+              <a:ext uri="{FF2B5EF4-FFF2-40B4-BE49-F238E27FC236}">
+                <a16:creationId xmlns:a16="http://schemas.microsoft.com/office/drawing/2014/main" id="{4198F47F-AB20-4A72-9727-F34E6EA88680}"/>
+              </a:ext>
+            </a:extLst>
+          </p:cNvPr>
+          <p:cNvSpPr>
+            <a:spLocks noGrp="1"/>
+          </p:cNvSpPr>
+          <p:nvPr>
+            <p:ph sz="half" idx="2"/>
+          </p:nvPr>
+        </p:nvSpPr>
+        <p:spPr/>
+        <p:txBody>
+          <a:bodyPr/>
+          <a:lstStyle/>
           <a:p>
             <a:r>
               <a:rPr lang="fi-FI" dirty="0"/>
@@ -22313,6 +22369,9 @@
               <a:rPr lang="fi-FI" dirty="0"/>
               <a:t> ikoneita sivullasi.</a:t>
             </a:r>
+          </a:p>
+          <a:p>
+            <a:endParaRPr lang="fi-FI" dirty="0"/>
           </a:p>
         </p:txBody>
       </p:sp>
